--- a/BetterJumping.pptx
+++ b/BetterJumping.pptx
@@ -8,6 +8,7 @@
     <p:sldId id="256" r:id="rId2"/>
     <p:sldId id="257" r:id="rId3"/>
     <p:sldId id="258" r:id="rId4"/>
+    <p:sldId id="259" r:id="rId5"/>
   </p:sldIdLst>
   <p:sldSz cx="12192000" cy="6858000"/>
   <p:notesSz cx="6858000" cy="9144000"/>
@@ -106,6 +107,11 @@
       </a:defRPr>
     </a:lvl9pPr>
   </p:defaultTextStyle>
+  <p:extLst>
+    <p:ext uri="{EFAFB233-063F-42B5-8137-9DF3F51BA10A}">
+      <p15:sldGuideLst xmlns:p15="http://schemas.microsoft.com/office/powerpoint/2012/main"/>
+    </p:ext>
+  </p:extLst>
 </p:presentation>
 </file>
 
@@ -258,7 +264,7 @@
           <a:p>
             <a:fld id="{2FDC8732-1414-4999-B667-89A197195B18}" type="datetimeFigureOut">
               <a:rPr lang="en-GB" smtClean="0"/>
-              <a:t>27/08/2018</a:t>
+              <a:t>22/09/2018</a:t>
             </a:fld>
             <a:endParaRPr lang="en-GB"/>
           </a:p>
@@ -458,7 +464,7 @@
           <a:p>
             <a:fld id="{2FDC8732-1414-4999-B667-89A197195B18}" type="datetimeFigureOut">
               <a:rPr lang="en-GB" smtClean="0"/>
-              <a:t>27/08/2018</a:t>
+              <a:t>22/09/2018</a:t>
             </a:fld>
             <a:endParaRPr lang="en-GB"/>
           </a:p>
@@ -668,7 +674,7 @@
           <a:p>
             <a:fld id="{2FDC8732-1414-4999-B667-89A197195B18}" type="datetimeFigureOut">
               <a:rPr lang="en-GB" smtClean="0"/>
-              <a:t>27/08/2018</a:t>
+              <a:t>22/09/2018</a:t>
             </a:fld>
             <a:endParaRPr lang="en-GB"/>
           </a:p>
@@ -868,7 +874,7 @@
           <a:p>
             <a:fld id="{2FDC8732-1414-4999-B667-89A197195B18}" type="datetimeFigureOut">
               <a:rPr lang="en-GB" smtClean="0"/>
-              <a:t>27/08/2018</a:t>
+              <a:t>22/09/2018</a:t>
             </a:fld>
             <a:endParaRPr lang="en-GB"/>
           </a:p>
@@ -1144,7 +1150,7 @@
           <a:p>
             <a:fld id="{2FDC8732-1414-4999-B667-89A197195B18}" type="datetimeFigureOut">
               <a:rPr lang="en-GB" smtClean="0"/>
-              <a:t>27/08/2018</a:t>
+              <a:t>22/09/2018</a:t>
             </a:fld>
             <a:endParaRPr lang="en-GB"/>
           </a:p>
@@ -1412,7 +1418,7 @@
           <a:p>
             <a:fld id="{2FDC8732-1414-4999-B667-89A197195B18}" type="datetimeFigureOut">
               <a:rPr lang="en-GB" smtClean="0"/>
-              <a:t>27/08/2018</a:t>
+              <a:t>22/09/2018</a:t>
             </a:fld>
             <a:endParaRPr lang="en-GB"/>
           </a:p>
@@ -1827,7 +1833,7 @@
           <a:p>
             <a:fld id="{2FDC8732-1414-4999-B667-89A197195B18}" type="datetimeFigureOut">
               <a:rPr lang="en-GB" smtClean="0"/>
-              <a:t>27/08/2018</a:t>
+              <a:t>22/09/2018</a:t>
             </a:fld>
             <a:endParaRPr lang="en-GB"/>
           </a:p>
@@ -1969,7 +1975,7 @@
           <a:p>
             <a:fld id="{2FDC8732-1414-4999-B667-89A197195B18}" type="datetimeFigureOut">
               <a:rPr lang="en-GB" smtClean="0"/>
-              <a:t>27/08/2018</a:t>
+              <a:t>22/09/2018</a:t>
             </a:fld>
             <a:endParaRPr lang="en-GB"/>
           </a:p>
@@ -2082,7 +2088,7 @@
           <a:p>
             <a:fld id="{2FDC8732-1414-4999-B667-89A197195B18}" type="datetimeFigureOut">
               <a:rPr lang="en-GB" smtClean="0"/>
-              <a:t>27/08/2018</a:t>
+              <a:t>22/09/2018</a:t>
             </a:fld>
             <a:endParaRPr lang="en-GB"/>
           </a:p>
@@ -2395,7 +2401,7 @@
           <a:p>
             <a:fld id="{2FDC8732-1414-4999-B667-89A197195B18}" type="datetimeFigureOut">
               <a:rPr lang="en-GB" smtClean="0"/>
-              <a:t>27/08/2018</a:t>
+              <a:t>22/09/2018</a:t>
             </a:fld>
             <a:endParaRPr lang="en-GB"/>
           </a:p>
@@ -2684,7 +2690,7 @@
           <a:p>
             <a:fld id="{2FDC8732-1414-4999-B667-89A197195B18}" type="datetimeFigureOut">
               <a:rPr lang="en-GB" smtClean="0"/>
-              <a:t>27/08/2018</a:t>
+              <a:t>22/09/2018</a:t>
             </a:fld>
             <a:endParaRPr lang="en-GB"/>
           </a:p>
@@ -2927,7 +2933,7 @@
           <a:p>
             <a:fld id="{2FDC8732-1414-4999-B667-89A197195B18}" type="datetimeFigureOut">
               <a:rPr lang="en-GB" smtClean="0"/>
-              <a:t>27/08/2018</a:t>
+              <a:t>22/09/2018</a:t>
             </a:fld>
             <a:endParaRPr lang="en-GB"/>
           </a:p>
@@ -3924,6 +3930,470 @@
 </p:sld>
 </file>
 
+<file path=ppt/slides/slide4.xml><?xml version="1.0" encoding="utf-8"?>
+<p:sld xmlns:a="http://schemas.openxmlformats.org/drawingml/2006/main" xmlns:r="http://schemas.openxmlformats.org/officeDocument/2006/relationships" xmlns:p="http://schemas.openxmlformats.org/presentationml/2006/main">
+  <p:cSld>
+    <p:spTree>
+      <p:nvGrpSpPr>
+        <p:cNvPr id="1" name=""/>
+        <p:cNvGrpSpPr/>
+        <p:nvPr/>
+      </p:nvGrpSpPr>
+      <p:grpSpPr>
+        <a:xfrm>
+          <a:off x="0" y="0"/>
+          <a:ext cx="0" cy="0"/>
+          <a:chOff x="0" y="0"/>
+          <a:chExt cx="0" cy="0"/>
+        </a:xfrm>
+      </p:grpSpPr>
+      <p:sp>
+        <p:nvSpPr>
+          <p:cNvPr id="2" name="Title 1">
+            <a:extLst>
+              <a:ext uri="{FF2B5EF4-FFF2-40B4-BE49-F238E27FC236}">
+                <a16:creationId xmlns:a16="http://schemas.microsoft.com/office/drawing/2014/main" id="{33EC7BDA-5CCD-4F13-87D5-4FD4D7FAEE80}"/>
+              </a:ext>
+            </a:extLst>
+          </p:cNvPr>
+          <p:cNvSpPr>
+            <a:spLocks noGrp="1"/>
+          </p:cNvSpPr>
+          <p:nvPr>
+            <p:ph type="title"/>
+          </p:nvPr>
+        </p:nvSpPr>
+        <p:spPr/>
+        <p:txBody>
+          <a:bodyPr/>
+          <a:lstStyle/>
+          <a:p>
+            <a:endParaRPr lang="en-GB"/>
+          </a:p>
+        </p:txBody>
+      </p:sp>
+      <p:sp>
+        <p:nvSpPr>
+          <p:cNvPr id="4" name="TextBox 3">
+            <a:extLst>
+              <a:ext uri="{FF2B5EF4-FFF2-40B4-BE49-F238E27FC236}">
+                <a16:creationId xmlns:a16="http://schemas.microsoft.com/office/drawing/2014/main" id="{CEF7BF5A-AD38-4A82-8836-37E8F87729EF}"/>
+              </a:ext>
+            </a:extLst>
+          </p:cNvPr>
+          <p:cNvSpPr txBox="1"/>
+          <p:nvPr/>
+        </p:nvSpPr>
+        <p:spPr>
+          <a:xfrm>
+            <a:off x="377027" y="2136489"/>
+            <a:ext cx="11436501" cy="2800767"/>
+          </a:xfrm>
+          <a:prstGeom prst="rect">
+            <a:avLst/>
+          </a:prstGeom>
+          <a:noFill/>
+        </p:spPr>
+        <p:txBody>
+          <a:bodyPr wrap="square" rtlCol="0">
+            <a:spAutoFit/>
+          </a:bodyPr>
+          <a:lstStyle/>
+          <a:p>
+            <a:r>
+              <a:rPr lang="en-GB" sz="1600" dirty="0" err="1">
+                <a:solidFill>
+                  <a:srgbClr val="000000"/>
+                </a:solidFill>
+                <a:latin typeface="Consolas" panose="020B0609020204030204" pitchFamily="49" charset="0"/>
+              </a:rPr>
+              <a:t>IEnumerator</a:t>
+            </a:r>
+            <a:r>
+              <a:rPr lang="en-GB" sz="1600" dirty="0">
+                <a:solidFill>
+                  <a:srgbClr val="000000"/>
+                </a:solidFill>
+                <a:latin typeface="Consolas" panose="020B0609020204030204" pitchFamily="49" charset="0"/>
+              </a:rPr>
+              <a:t> </a:t>
+            </a:r>
+            <a:r>
+              <a:rPr lang="en-GB" sz="1600" dirty="0" err="1">
+                <a:solidFill>
+                  <a:srgbClr val="000000"/>
+                </a:solidFill>
+                <a:latin typeface="Consolas" panose="020B0609020204030204" pitchFamily="49" charset="0"/>
+              </a:rPr>
+              <a:t>spinCooldown</a:t>
+            </a:r>
+            <a:r>
+              <a:rPr lang="en-GB" sz="1600" dirty="0">
+                <a:solidFill>
+                  <a:srgbClr val="000000"/>
+                </a:solidFill>
+                <a:latin typeface="Consolas" panose="020B0609020204030204" pitchFamily="49" charset="0"/>
+              </a:rPr>
+              <a:t>(</a:t>
+            </a:r>
+            <a:r>
+              <a:rPr lang="en-GB" sz="1600" dirty="0">
+                <a:solidFill>
+                  <a:srgbClr val="0000FF"/>
+                </a:solidFill>
+                <a:latin typeface="Consolas" panose="020B0609020204030204" pitchFamily="49" charset="0"/>
+              </a:rPr>
+              <a:t>float</a:t>
+            </a:r>
+            <a:r>
+              <a:rPr lang="en-GB" sz="1600" dirty="0">
+                <a:solidFill>
+                  <a:srgbClr val="000000"/>
+                </a:solidFill>
+                <a:latin typeface="Consolas" panose="020B0609020204030204" pitchFamily="49" charset="0"/>
+              </a:rPr>
+              <a:t> duration)</a:t>
+            </a:r>
+          </a:p>
+          <a:p>
+            <a:r>
+              <a:rPr lang="en-GB" sz="1600" dirty="0">
+                <a:solidFill>
+                  <a:srgbClr val="000000"/>
+                </a:solidFill>
+                <a:latin typeface="Consolas" panose="020B0609020204030204" pitchFamily="49" charset="0"/>
+              </a:rPr>
+              <a:t>    {</a:t>
+            </a:r>
+          </a:p>
+          <a:p>
+            <a:r>
+              <a:rPr lang="en-GB" sz="1600" dirty="0">
+                <a:solidFill>
+                  <a:srgbClr val="000000"/>
+                </a:solidFill>
+                <a:latin typeface="Consolas" panose="020B0609020204030204" pitchFamily="49" charset="0"/>
+              </a:rPr>
+              <a:t>        </a:t>
+            </a:r>
+            <a:r>
+              <a:rPr lang="en-GB" sz="1600" dirty="0">
+                <a:solidFill>
+                  <a:srgbClr val="0000FF"/>
+                </a:solidFill>
+                <a:latin typeface="Consolas" panose="020B0609020204030204" pitchFamily="49" charset="0"/>
+              </a:rPr>
+              <a:t>float</a:t>
+            </a:r>
+            <a:r>
+              <a:rPr lang="en-GB" sz="1600" dirty="0">
+                <a:solidFill>
+                  <a:srgbClr val="000000"/>
+                </a:solidFill>
+                <a:latin typeface="Consolas" panose="020B0609020204030204" pitchFamily="49" charset="0"/>
+              </a:rPr>
+              <a:t> t = 0f;                       </a:t>
+            </a:r>
+          </a:p>
+          <a:p>
+            <a:r>
+              <a:rPr lang="en-GB" sz="1600" dirty="0">
+                <a:solidFill>
+                  <a:srgbClr val="000000"/>
+                </a:solidFill>
+                <a:latin typeface="Consolas" panose="020B0609020204030204" pitchFamily="49" charset="0"/>
+              </a:rPr>
+              <a:t>        </a:t>
+            </a:r>
+            <a:r>
+              <a:rPr lang="en-GB" sz="1600" dirty="0">
+                <a:solidFill>
+                  <a:srgbClr val="0000FF"/>
+                </a:solidFill>
+                <a:latin typeface="Consolas" panose="020B0609020204030204" pitchFamily="49" charset="0"/>
+              </a:rPr>
+              <a:t>while</a:t>
+            </a:r>
+            <a:r>
+              <a:rPr lang="en-GB" sz="1600" dirty="0">
+                <a:solidFill>
+                  <a:srgbClr val="000000"/>
+                </a:solidFill>
+                <a:latin typeface="Consolas" panose="020B0609020204030204" pitchFamily="49" charset="0"/>
+              </a:rPr>
+              <a:t> (t &lt; duration) {</a:t>
+            </a:r>
+          </a:p>
+          <a:p>
+            <a:r>
+              <a:rPr lang="en-GB" sz="1600" dirty="0">
+                <a:solidFill>
+                  <a:srgbClr val="000000"/>
+                </a:solidFill>
+                <a:latin typeface="Consolas" panose="020B0609020204030204" pitchFamily="49" charset="0"/>
+              </a:rPr>
+              <a:t>            t += </a:t>
+            </a:r>
+            <a:r>
+              <a:rPr lang="en-GB" sz="1600" dirty="0" err="1">
+                <a:solidFill>
+                  <a:srgbClr val="000000"/>
+                </a:solidFill>
+                <a:latin typeface="Consolas" panose="020B0609020204030204" pitchFamily="49" charset="0"/>
+              </a:rPr>
+              <a:t>Time.deltaTime</a:t>
+            </a:r>
+            <a:r>
+              <a:rPr lang="en-GB" sz="1600" dirty="0">
+                <a:solidFill>
+                  <a:srgbClr val="000000"/>
+                </a:solidFill>
+                <a:latin typeface="Consolas" panose="020B0609020204030204" pitchFamily="49" charset="0"/>
+              </a:rPr>
+              <a:t>;</a:t>
+            </a:r>
+          </a:p>
+          <a:p>
+            <a:r>
+              <a:rPr lang="en-GB" sz="1600" dirty="0">
+                <a:solidFill>
+                  <a:srgbClr val="000000"/>
+                </a:solidFill>
+                <a:latin typeface="Consolas" panose="020B0609020204030204" pitchFamily="49" charset="0"/>
+              </a:rPr>
+              <a:t>            </a:t>
+            </a:r>
+            <a:r>
+              <a:rPr lang="en-GB" sz="1600" dirty="0" err="1">
+                <a:solidFill>
+                  <a:srgbClr val="000000"/>
+                </a:solidFill>
+                <a:latin typeface="Consolas" panose="020B0609020204030204" pitchFamily="49" charset="0"/>
+              </a:rPr>
+              <a:t>playerRenderer.material.color</a:t>
+            </a:r>
+            <a:r>
+              <a:rPr lang="en-GB" sz="1600" dirty="0">
+                <a:solidFill>
+                  <a:srgbClr val="000000"/>
+                </a:solidFill>
+                <a:latin typeface="Consolas" panose="020B0609020204030204" pitchFamily="49" charset="0"/>
+              </a:rPr>
+              <a:t> = </a:t>
+            </a:r>
+            <a:r>
+              <a:rPr lang="en-GB" sz="1600" dirty="0" err="1">
+                <a:solidFill>
+                  <a:srgbClr val="000000"/>
+                </a:solidFill>
+                <a:latin typeface="Consolas" panose="020B0609020204030204" pitchFamily="49" charset="0"/>
+              </a:rPr>
+              <a:t>Color.HSVToRGB</a:t>
+            </a:r>
+            <a:r>
+              <a:rPr lang="en-GB" sz="1600" dirty="0">
+                <a:solidFill>
+                  <a:srgbClr val="000000"/>
+                </a:solidFill>
+                <a:latin typeface="Consolas" panose="020B0609020204030204" pitchFamily="49" charset="0"/>
+              </a:rPr>
+              <a:t>(0.1f, t / duration, 0.95f);</a:t>
+            </a:r>
+          </a:p>
+          <a:p>
+            <a:r>
+              <a:rPr lang="en-GB" sz="1600" dirty="0">
+                <a:solidFill>
+                  <a:srgbClr val="000000"/>
+                </a:solidFill>
+                <a:latin typeface="Consolas" panose="020B0609020204030204" pitchFamily="49" charset="0"/>
+              </a:rPr>
+              <a:t>            </a:t>
+            </a:r>
+            <a:r>
+              <a:rPr lang="en-GB" sz="1600" dirty="0" err="1">
+                <a:solidFill>
+                  <a:srgbClr val="000000"/>
+                </a:solidFill>
+                <a:latin typeface="Consolas" panose="020B0609020204030204" pitchFamily="49" charset="0"/>
+              </a:rPr>
+              <a:t>Debug.Log</a:t>
+            </a:r>
+            <a:r>
+              <a:rPr lang="en-GB" sz="1600" dirty="0">
+                <a:solidFill>
+                  <a:srgbClr val="000000"/>
+                </a:solidFill>
+                <a:latin typeface="Consolas" panose="020B0609020204030204" pitchFamily="49" charset="0"/>
+              </a:rPr>
+              <a:t>(t / duration);</a:t>
+            </a:r>
+          </a:p>
+          <a:p>
+            <a:r>
+              <a:rPr lang="en-US" sz="1600" dirty="0">
+                <a:solidFill>
+                  <a:srgbClr val="000000"/>
+                </a:solidFill>
+                <a:latin typeface="Consolas" panose="020B0609020204030204" pitchFamily="49" charset="0"/>
+              </a:rPr>
+              <a:t>            </a:t>
+            </a:r>
+            <a:r>
+              <a:rPr lang="en-US" sz="1600" dirty="0">
+                <a:solidFill>
+                  <a:srgbClr val="0000FF"/>
+                </a:solidFill>
+                <a:latin typeface="Consolas" panose="020B0609020204030204" pitchFamily="49" charset="0"/>
+              </a:rPr>
+              <a:t>yield</a:t>
+            </a:r>
+            <a:r>
+              <a:rPr lang="en-US" sz="1600" dirty="0">
+                <a:solidFill>
+                  <a:srgbClr val="000000"/>
+                </a:solidFill>
+                <a:latin typeface="Consolas" panose="020B0609020204030204" pitchFamily="49" charset="0"/>
+              </a:rPr>
+              <a:t> </a:t>
+            </a:r>
+            <a:r>
+              <a:rPr lang="en-US" sz="1600" dirty="0">
+                <a:solidFill>
+                  <a:srgbClr val="0000FF"/>
+                </a:solidFill>
+                <a:latin typeface="Consolas" panose="020B0609020204030204" pitchFamily="49" charset="0"/>
+              </a:rPr>
+              <a:t>return</a:t>
+            </a:r>
+            <a:r>
+              <a:rPr lang="en-US" sz="1600" dirty="0">
+                <a:solidFill>
+                  <a:srgbClr val="000000"/>
+                </a:solidFill>
+                <a:latin typeface="Consolas" panose="020B0609020204030204" pitchFamily="49" charset="0"/>
+              </a:rPr>
+              <a:t> </a:t>
+            </a:r>
+            <a:r>
+              <a:rPr lang="en-US" sz="1600" dirty="0">
+                <a:solidFill>
+                  <a:srgbClr val="0000FF"/>
+                </a:solidFill>
+                <a:latin typeface="Consolas" panose="020B0609020204030204" pitchFamily="49" charset="0"/>
+              </a:rPr>
+              <a:t>null</a:t>
+            </a:r>
+            <a:r>
+              <a:rPr lang="en-US" sz="1600" dirty="0">
+                <a:solidFill>
+                  <a:srgbClr val="000000"/>
+                </a:solidFill>
+                <a:latin typeface="Consolas" panose="020B0609020204030204" pitchFamily="49" charset="0"/>
+              </a:rPr>
+              <a:t>;       </a:t>
+            </a:r>
+            <a:r>
+              <a:rPr lang="en-US" sz="1600" dirty="0">
+                <a:solidFill>
+                  <a:srgbClr val="008000"/>
+                </a:solidFill>
+                <a:latin typeface="Consolas" panose="020B0609020204030204" pitchFamily="49" charset="0"/>
+              </a:rPr>
+              <a:t>//makes sure there is only one while iteration per frame</a:t>
+            </a:r>
+            <a:endParaRPr lang="en-US" sz="1600" dirty="0">
+              <a:solidFill>
+                <a:srgbClr val="000000"/>
+              </a:solidFill>
+              <a:latin typeface="Consolas" panose="020B0609020204030204" pitchFamily="49" charset="0"/>
+            </a:endParaRPr>
+          </a:p>
+          <a:p>
+            <a:r>
+              <a:rPr lang="en-GB" sz="1600" dirty="0">
+                <a:solidFill>
+                  <a:srgbClr val="000000"/>
+                </a:solidFill>
+                <a:latin typeface="Consolas" panose="020B0609020204030204" pitchFamily="49" charset="0"/>
+              </a:rPr>
+              <a:t>        }</a:t>
+            </a:r>
+          </a:p>
+          <a:p>
+            <a:r>
+              <a:rPr lang="en-GB" sz="1600" dirty="0">
+                <a:solidFill>
+                  <a:srgbClr val="000000"/>
+                </a:solidFill>
+                <a:latin typeface="Consolas" panose="020B0609020204030204" pitchFamily="49" charset="0"/>
+              </a:rPr>
+              <a:t>	</a:t>
+            </a:r>
+            <a:r>
+              <a:rPr lang="en-GB" sz="1600" dirty="0" err="1">
+                <a:solidFill>
+                  <a:srgbClr val="000000"/>
+                </a:solidFill>
+                <a:latin typeface="Consolas" panose="020B0609020204030204" pitchFamily="49" charset="0"/>
+              </a:rPr>
+              <a:t>canSpin</a:t>
+            </a:r>
+            <a:r>
+              <a:rPr lang="en-GB" sz="1600" dirty="0">
+                <a:solidFill>
+                  <a:srgbClr val="000000"/>
+                </a:solidFill>
+                <a:latin typeface="Consolas" panose="020B0609020204030204" pitchFamily="49" charset="0"/>
+              </a:rPr>
+              <a:t> = </a:t>
+            </a:r>
+            <a:r>
+              <a:rPr lang="en-GB" sz="1600" dirty="0">
+                <a:solidFill>
+                  <a:srgbClr val="0000FF"/>
+                </a:solidFill>
+                <a:latin typeface="Consolas" panose="020B0609020204030204" pitchFamily="49" charset="0"/>
+              </a:rPr>
+              <a:t>true</a:t>
+            </a:r>
+            <a:r>
+              <a:rPr lang="en-GB" sz="1600" dirty="0">
+                <a:solidFill>
+                  <a:srgbClr val="000000"/>
+                </a:solidFill>
+                <a:latin typeface="Consolas" panose="020B0609020204030204" pitchFamily="49" charset="0"/>
+              </a:rPr>
+              <a:t>;</a:t>
+            </a:r>
+          </a:p>
+          <a:p>
+            <a:r>
+              <a:rPr lang="en-GB" sz="1600" dirty="0">
+                <a:solidFill>
+                  <a:srgbClr val="000000"/>
+                </a:solidFill>
+                <a:latin typeface="Consolas" panose="020B0609020204030204" pitchFamily="49" charset="0"/>
+              </a:rPr>
+              <a:t>    }</a:t>
+            </a:r>
+            <a:endParaRPr lang="en-GB" sz="1600" dirty="0"/>
+          </a:p>
+        </p:txBody>
+      </p:sp>
+    </p:spTree>
+    <p:extLst>
+      <p:ext uri="{BB962C8B-B14F-4D97-AF65-F5344CB8AC3E}">
+        <p14:creationId xmlns:p14="http://schemas.microsoft.com/office/powerpoint/2010/main" val="4150255950"/>
+      </p:ext>
+    </p:extLst>
+  </p:cSld>
+  <p:clrMapOvr>
+    <a:masterClrMapping/>
+  </p:clrMapOvr>
+</p:sld>
+</file>
+
 <file path=ppt/theme/theme1.xml><?xml version="1.0" encoding="utf-8"?>
 <a:theme xmlns:a="http://schemas.openxmlformats.org/drawingml/2006/main" name="Office Theme">
   <a:themeElements>
